--- a/assets/The_Echoes_of_the_Hearth.pptx
+++ b/assets/The_Echoes_of_the_Hearth.pptx
@@ -5,25 +5,24 @@
     <p:sldMasterId id="2147483660" r:id="rId1"/>
   </p:sldMasterIdLst>
   <p:sldIdLst>
-    <p:sldId id="273" r:id="rId2"/>
-    <p:sldId id="274" r:id="rId3"/>
-    <p:sldId id="256" r:id="rId4"/>
-    <p:sldId id="257" r:id="rId5"/>
-    <p:sldId id="258" r:id="rId6"/>
-    <p:sldId id="259" r:id="rId7"/>
-    <p:sldId id="260" r:id="rId8"/>
-    <p:sldId id="261" r:id="rId9"/>
-    <p:sldId id="262" r:id="rId10"/>
-    <p:sldId id="263" r:id="rId11"/>
-    <p:sldId id="264" r:id="rId12"/>
-    <p:sldId id="265" r:id="rId13"/>
-    <p:sldId id="266" r:id="rId14"/>
-    <p:sldId id="267" r:id="rId15"/>
-    <p:sldId id="268" r:id="rId16"/>
-    <p:sldId id="269" r:id="rId17"/>
-    <p:sldId id="270" r:id="rId18"/>
-    <p:sldId id="271" r:id="rId19"/>
-    <p:sldId id="272" r:id="rId20"/>
+    <p:sldId id="274" r:id="rId2"/>
+    <p:sldId id="256" r:id="rId3"/>
+    <p:sldId id="257" r:id="rId4"/>
+    <p:sldId id="258" r:id="rId5"/>
+    <p:sldId id="259" r:id="rId6"/>
+    <p:sldId id="260" r:id="rId7"/>
+    <p:sldId id="261" r:id="rId8"/>
+    <p:sldId id="262" r:id="rId9"/>
+    <p:sldId id="263" r:id="rId10"/>
+    <p:sldId id="264" r:id="rId11"/>
+    <p:sldId id="265" r:id="rId12"/>
+    <p:sldId id="266" r:id="rId13"/>
+    <p:sldId id="267" r:id="rId14"/>
+    <p:sldId id="268" r:id="rId15"/>
+    <p:sldId id="269" r:id="rId16"/>
+    <p:sldId id="270" r:id="rId17"/>
+    <p:sldId id="271" r:id="rId18"/>
+    <p:sldId id="272" r:id="rId19"/>
   </p:sldIdLst>
   <p:sldSz cx="9144000" cy="6858000" type="screen4x3"/>
   <p:notesSz cx="6858000" cy="9144000"/>
@@ -6774,7 +6773,7 @@
           <a:p>
             <a:fld id="{5BCAD085-E8A6-8845-BD4E-CB4CCA059FC4}" type="datetimeFigureOut">
               <a:rPr lang="en-US" smtClean="0"/>
-              <a:t>12/17/2025</a:t>
+              <a:t>12/18/2025</a:t>
             </a:fld>
             <a:endParaRPr lang="en-US"/>
           </a:p>
@@ -6981,7 +6980,7 @@
           <a:p>
             <a:fld id="{5BCAD085-E8A6-8845-BD4E-CB4CCA059FC4}" type="datetimeFigureOut">
               <a:rPr lang="en-US" smtClean="0"/>
-              <a:t>12/17/2025</a:t>
+              <a:t>12/18/2025</a:t>
             </a:fld>
             <a:endParaRPr lang="en-US"/>
           </a:p>
@@ -7161,7 +7160,7 @@
           <a:p>
             <a:fld id="{5BCAD085-E8A6-8845-BD4E-CB4CCA059FC4}" type="datetimeFigureOut">
               <a:rPr lang="en-US" smtClean="0"/>
-              <a:t>12/17/2025</a:t>
+              <a:t>12/18/2025</a:t>
             </a:fld>
             <a:endParaRPr lang="en-US"/>
           </a:p>
@@ -7366,7 +7365,7 @@
           <a:p>
             <a:fld id="{5BCAD085-E8A6-8845-BD4E-CB4CCA059FC4}" type="datetimeFigureOut">
               <a:rPr lang="en-US" smtClean="0"/>
-              <a:t>12/17/2025</a:t>
+              <a:t>12/18/2025</a:t>
             </a:fld>
             <a:endParaRPr lang="en-US"/>
           </a:p>
@@ -14104,7 +14103,7 @@
           <a:p>
             <a:fld id="{5BCAD085-E8A6-8845-BD4E-CB4CCA059FC4}" type="datetimeFigureOut">
               <a:rPr lang="en-US" smtClean="0"/>
-              <a:t>12/17/2025</a:t>
+              <a:t>12/18/2025</a:t>
             </a:fld>
             <a:endParaRPr lang="en-US"/>
           </a:p>
@@ -14378,7 +14377,7 @@
           <a:p>
             <a:fld id="{5BCAD085-E8A6-8845-BD4E-CB4CCA059FC4}" type="datetimeFigureOut">
               <a:rPr lang="en-US" smtClean="0"/>
-              <a:t>12/17/2025</a:t>
+              <a:t>12/18/2025</a:t>
             </a:fld>
             <a:endParaRPr lang="en-US"/>
           </a:p>
@@ -14781,7 +14780,7 @@
           <a:p>
             <a:fld id="{5BCAD085-E8A6-8845-BD4E-CB4CCA059FC4}" type="datetimeFigureOut">
               <a:rPr lang="en-US" smtClean="0"/>
-              <a:t>12/17/2025</a:t>
+              <a:t>12/18/2025</a:t>
             </a:fld>
             <a:endParaRPr lang="en-US"/>
           </a:p>
@@ -14899,7 +14898,7 @@
           <a:p>
             <a:fld id="{5BCAD085-E8A6-8845-BD4E-CB4CCA059FC4}" type="datetimeFigureOut">
               <a:rPr lang="en-US" smtClean="0"/>
-              <a:t>12/17/2025</a:t>
+              <a:t>12/18/2025</a:t>
             </a:fld>
             <a:endParaRPr lang="en-US"/>
           </a:p>
@@ -14994,7 +14993,7 @@
           <a:p>
             <a:fld id="{5BCAD085-E8A6-8845-BD4E-CB4CCA059FC4}" type="datetimeFigureOut">
               <a:rPr lang="en-US" smtClean="0"/>
-              <a:t>12/17/2025</a:t>
+              <a:t>12/18/2025</a:t>
             </a:fld>
             <a:endParaRPr lang="en-US"/>
           </a:p>
@@ -15286,7 +15285,7 @@
           <a:p>
             <a:fld id="{5BCAD085-E8A6-8845-BD4E-CB4CCA059FC4}" type="datetimeFigureOut">
               <a:rPr lang="en-US" smtClean="0"/>
-              <a:t>12/17/2025</a:t>
+              <a:t>12/18/2025</a:t>
             </a:fld>
             <a:endParaRPr lang="en-US"/>
           </a:p>
@@ -15566,7 +15565,7 @@
           <a:p>
             <a:fld id="{5BCAD085-E8A6-8845-BD4E-CB4CCA059FC4}" type="datetimeFigureOut">
               <a:rPr lang="en-US" smtClean="0"/>
-              <a:t>12/17/2025</a:t>
+              <a:t>12/18/2025</a:t>
             </a:fld>
             <a:endParaRPr lang="en-US"/>
           </a:p>
@@ -15816,7 +15815,7 @@
           <a:p>
             <a:fld id="{5BCAD085-E8A6-8845-BD4E-CB4CCA059FC4}" type="datetimeFigureOut">
               <a:rPr lang="en-US" smtClean="0"/>
-              <a:t>12/17/2025</a:t>
+              <a:t>12/18/2025</a:t>
             </a:fld>
             <a:endParaRPr lang="en-US"/>
           </a:p>
@@ -16325,7 +16324,7 @@
             <a:spLocks noGrp="1"/>
           </p:cNvSpPr>
           <p:nvPr>
-            <p:ph type="title"/>
+            <p:ph type="ctrTitle"/>
           </p:nvPr>
         </p:nvSpPr>
         <p:spPr/>
@@ -16333,18 +16332,22 @@
           <a:bodyPr/>
           <a:lstStyle/>
           <a:p>
-            <a:endParaRPr lang="en-US"/>
+            <a:r>
+              <a:rPr lang="en-US" dirty="0" smtClean="0"/>
+              <a:t>TREVOR KIMATHI</a:t>
+            </a:r>
+            <a:endParaRPr lang="en-US" dirty="0"/>
           </a:p>
         </p:txBody>
       </p:sp>
       <p:sp>
         <p:nvSpPr>
-          <p:cNvPr id="3" name="Content Placeholder 2"/>
+          <p:cNvPr id="3" name="Subtitle 2"/>
           <p:cNvSpPr>
             <a:spLocks noGrp="1"/>
           </p:cNvSpPr>
           <p:nvPr>
-            <p:ph idx="1"/>
+            <p:ph type="subTitle" idx="1"/>
           </p:nvPr>
         </p:nvSpPr>
         <p:spPr/>
@@ -16352,14 +16355,23 @@
           <a:bodyPr/>
           <a:lstStyle/>
           <a:p>
-            <a:endParaRPr lang="en-US"/>
+            <a:r>
+              <a:rPr lang="en-US" dirty="0" smtClean="0"/>
+              <a:t>C025-01-1200/2019</a:t>
+            </a:r>
+          </a:p>
+          <a:p>
+            <a:r>
+              <a:rPr lang="en-US" dirty="0" smtClean="0"/>
+              <a:t>BSs. Information Technology.</a:t>
+            </a:r>
           </a:p>
         </p:txBody>
       </p:sp>
     </p:spTree>
     <p:extLst>
       <p:ext uri="{BB962C8B-B14F-4D97-AF65-F5344CB8AC3E}">
-        <p14:creationId xmlns:p14="http://schemas.microsoft.com/office/powerpoint/2010/main" val="2209492416"/>
+        <p14:creationId xmlns:p14="http://schemas.microsoft.com/office/powerpoint/2010/main" val="2491546743"/>
       </p:ext>
     </p:extLst>
   </p:cSld>
@@ -16370,98 +16382,6 @@
 </file>
 
 <file path=ppt/slides/slide10.xml><?xml version="1.0" encoding="utf-8"?>
-<p:sld xmlns:a="http://schemas.openxmlformats.org/drawingml/2006/main" xmlns:r="http://schemas.openxmlformats.org/officeDocument/2006/relationships" xmlns:p="http://schemas.openxmlformats.org/presentationml/2006/main">
-  <p:cSld>
-    <p:spTree>
-      <p:nvGrpSpPr>
-        <p:cNvPr id="1" name=""/>
-        <p:cNvGrpSpPr/>
-        <p:nvPr/>
-      </p:nvGrpSpPr>
-      <p:grpSpPr>
-        <a:xfrm>
-          <a:off x="0" y="0"/>
-          <a:ext cx="0" cy="0"/>
-          <a:chOff x="0" y="0"/>
-          <a:chExt cx="0" cy="0"/>
-        </a:xfrm>
-      </p:grpSpPr>
-      <p:sp>
-        <p:nvSpPr>
-          <p:cNvPr id="2" name="Title 1"/>
-          <p:cNvSpPr>
-            <a:spLocks noGrp="1"/>
-          </p:cNvSpPr>
-          <p:nvPr>
-            <p:ph type="title"/>
-          </p:nvPr>
-        </p:nvSpPr>
-        <p:spPr/>
-        <p:txBody>
-          <a:bodyPr/>
-          <a:lstStyle/>
-          <a:p>
-            <a:r>
-              <a:t>Thimo – Proverbs as Law</a:t>
-            </a:r>
-          </a:p>
-        </p:txBody>
-      </p:sp>
-      <p:sp>
-        <p:nvSpPr>
-          <p:cNvPr id="3" name="Content Placeholder 2"/>
-          <p:cNvSpPr>
-            <a:spLocks noGrp="1"/>
-          </p:cNvSpPr>
-          <p:nvPr>
-            <p:ph idx="1"/>
-          </p:nvPr>
-        </p:nvSpPr>
-        <p:spPr/>
-        <p:txBody>
-          <a:bodyPr>
-            <a:normAutofit/>
-          </a:bodyPr>
-          <a:lstStyle/>
-          <a:p>
-            <a:r>
-              <a:rPr sz="4800" dirty="0"/>
-              <a:t>Used by the </a:t>
-            </a:r>
-            <a:r>
-              <a:rPr sz="4800" dirty="0" err="1"/>
-              <a:t>Kiama</a:t>
-            </a:r>
-            <a:r>
-              <a:rPr sz="4800" dirty="0"/>
-              <a:t> council</a:t>
-            </a:r>
-          </a:p>
-          <a:p>
-            <a:pPr lvl="1"/>
-            <a:r>
-              <a:rPr sz="4000" dirty="0"/>
-              <a:t>Resolve disputes and enforce norms</a:t>
-            </a:r>
-          </a:p>
-          <a:p>
-            <a:pPr lvl="1"/>
-            <a:r>
-              <a:rPr sz="4000" dirty="0"/>
-              <a:t>Truth overrides rank and authority</a:t>
-            </a:r>
-          </a:p>
-        </p:txBody>
-      </p:sp>
-    </p:spTree>
-  </p:cSld>
-  <p:clrMapOvr>
-    <a:masterClrMapping/>
-  </p:clrMapOvr>
-</p:sld>
-</file>
-
-<file path=ppt/slides/slide11.xml><?xml version="1.0" encoding="utf-8"?>
 <p:sld xmlns:a="http://schemas.openxmlformats.org/drawingml/2006/main" xmlns:r="http://schemas.openxmlformats.org/officeDocument/2006/relationships" xmlns:p="http://schemas.openxmlformats.org/presentationml/2006/main">
   <p:cSld>
     <p:spTree>
@@ -16545,7 +16465,7 @@
 </p:sld>
 </file>
 
-<file path=ppt/slides/slide12.xml><?xml version="1.0" encoding="utf-8"?>
+<file path=ppt/slides/slide11.xml><?xml version="1.0" encoding="utf-8"?>
 <p:sld xmlns:a="http://schemas.openxmlformats.org/drawingml/2006/main" xmlns:r="http://schemas.openxmlformats.org/officeDocument/2006/relationships" xmlns:p="http://schemas.openxmlformats.org/presentationml/2006/main">
   <p:cSld>
     <p:spTree>
@@ -16629,7 +16549,7 @@
 </p:sld>
 </file>
 
-<file path=ppt/slides/slide13.xml><?xml version="1.0" encoding="utf-8"?>
+<file path=ppt/slides/slide12.xml><?xml version="1.0" encoding="utf-8"?>
 <p:sld xmlns:a="http://schemas.openxmlformats.org/drawingml/2006/main" xmlns:r="http://schemas.openxmlformats.org/officeDocument/2006/relationships" xmlns:p="http://schemas.openxmlformats.org/presentationml/2006/main">
   <p:cSld>
     <p:spTree>
@@ -16713,7 +16633,7 @@
 </p:sld>
 </file>
 
-<file path=ppt/slides/slide14.xml><?xml version="1.0" encoding="utf-8"?>
+<file path=ppt/slides/slide13.xml><?xml version="1.0" encoding="utf-8"?>
 <p:sld xmlns:a="http://schemas.openxmlformats.org/drawingml/2006/main" xmlns:r="http://schemas.openxmlformats.org/officeDocument/2006/relationships" xmlns:p="http://schemas.openxmlformats.org/presentationml/2006/main">
   <p:cSld>
     <p:spTree>
@@ -16797,7 +16717,7 @@
 </p:sld>
 </file>
 
-<file path=ppt/slides/slide15.xml><?xml version="1.0" encoding="utf-8"?>
+<file path=ppt/slides/slide14.xml><?xml version="1.0" encoding="utf-8"?>
 <p:sld xmlns:a="http://schemas.openxmlformats.org/drawingml/2006/main" xmlns:r="http://schemas.openxmlformats.org/officeDocument/2006/relationships" xmlns:p="http://schemas.openxmlformats.org/presentationml/2006/main">
   <p:cSld>
     <p:spTree>
@@ -16881,7 +16801,7 @@
 </p:sld>
 </file>
 
-<file path=ppt/slides/slide16.xml><?xml version="1.0" encoding="utf-8"?>
+<file path=ppt/slides/slide15.xml><?xml version="1.0" encoding="utf-8"?>
 <p:sld xmlns:a="http://schemas.openxmlformats.org/drawingml/2006/main" xmlns:r="http://schemas.openxmlformats.org/officeDocument/2006/relationships" xmlns:p="http://schemas.openxmlformats.org/presentationml/2006/main">
   <p:cSld>
     <p:spTree>
@@ -16985,7 +16905,7 @@
 </p:sld>
 </file>
 
-<file path=ppt/slides/slide17.xml><?xml version="1.0" encoding="utf-8"?>
+<file path=ppt/slides/slide16.xml><?xml version="1.0" encoding="utf-8"?>
 <p:sld xmlns:a="http://schemas.openxmlformats.org/drawingml/2006/main" xmlns:r="http://schemas.openxmlformats.org/officeDocument/2006/relationships" xmlns:p="http://schemas.openxmlformats.org/presentationml/2006/main">
   <p:cSld>
     <p:spTree>
@@ -17069,7 +16989,7 @@
 </p:sld>
 </file>
 
-<file path=ppt/slides/slide18.xml><?xml version="1.0" encoding="utf-8"?>
+<file path=ppt/slides/slide17.xml><?xml version="1.0" encoding="utf-8"?>
 <p:sld xmlns:a="http://schemas.openxmlformats.org/drawingml/2006/main" xmlns:r="http://schemas.openxmlformats.org/officeDocument/2006/relationships" xmlns:p="http://schemas.openxmlformats.org/presentationml/2006/main">
   <p:cSld>
     <p:spTree>
@@ -17161,7 +17081,7 @@
 </p:sld>
 </file>
 
-<file path=ppt/slides/slide19.xml><?xml version="1.0" encoding="utf-8"?>
+<file path=ppt/slides/slide18.xml><?xml version="1.0" encoding="utf-8"?>
 <p:sld xmlns:a="http://schemas.openxmlformats.org/drawingml/2006/main" xmlns:r="http://schemas.openxmlformats.org/officeDocument/2006/relationships" xmlns:p="http://schemas.openxmlformats.org/presentationml/2006/main">
   <p:cSld>
     <p:spTree>
@@ -17281,87 +17201,6 @@
             <a:spLocks noGrp="1"/>
           </p:cNvSpPr>
           <p:nvPr>
-            <p:ph type="ctrTitle"/>
-          </p:nvPr>
-        </p:nvSpPr>
-        <p:spPr/>
-        <p:txBody>
-          <a:bodyPr/>
-          <a:lstStyle/>
-          <a:p>
-            <a:r>
-              <a:rPr lang="en-US" dirty="0" smtClean="0"/>
-              <a:t>TREVOR KIMATHI</a:t>
-            </a:r>
-            <a:endParaRPr lang="en-US" dirty="0"/>
-          </a:p>
-        </p:txBody>
-      </p:sp>
-      <p:sp>
-        <p:nvSpPr>
-          <p:cNvPr id="3" name="Subtitle 2"/>
-          <p:cNvSpPr>
-            <a:spLocks noGrp="1"/>
-          </p:cNvSpPr>
-          <p:nvPr>
-            <p:ph type="subTitle" idx="1"/>
-          </p:nvPr>
-        </p:nvSpPr>
-        <p:spPr/>
-        <p:txBody>
-          <a:bodyPr/>
-          <a:lstStyle/>
-          <a:p>
-            <a:r>
-              <a:rPr lang="en-US" dirty="0" smtClean="0"/>
-              <a:t>C025-01-1200/2019</a:t>
-            </a:r>
-          </a:p>
-          <a:p>
-            <a:r>
-              <a:rPr lang="en-US" dirty="0" smtClean="0"/>
-              <a:t>BSs. Information Technology.</a:t>
-            </a:r>
-          </a:p>
-        </p:txBody>
-      </p:sp>
-    </p:spTree>
-    <p:extLst>
-      <p:ext uri="{BB962C8B-B14F-4D97-AF65-F5344CB8AC3E}">
-        <p14:creationId xmlns:p14="http://schemas.microsoft.com/office/powerpoint/2010/main" val="2491546743"/>
-      </p:ext>
-    </p:extLst>
-  </p:cSld>
-  <p:clrMapOvr>
-    <a:masterClrMapping/>
-  </p:clrMapOvr>
-</p:sld>
-</file>
-
-<file path=ppt/slides/slide3.xml><?xml version="1.0" encoding="utf-8"?>
-<p:sld xmlns:a="http://schemas.openxmlformats.org/drawingml/2006/main" xmlns:r="http://schemas.openxmlformats.org/officeDocument/2006/relationships" xmlns:p="http://schemas.openxmlformats.org/presentationml/2006/main">
-  <p:cSld>
-    <p:spTree>
-      <p:nvGrpSpPr>
-        <p:cNvPr id="1" name=""/>
-        <p:cNvGrpSpPr/>
-        <p:nvPr/>
-      </p:nvGrpSpPr>
-      <p:grpSpPr>
-        <a:xfrm>
-          <a:off x="0" y="0"/>
-          <a:ext cx="0" cy="0"/>
-          <a:chOff x="0" y="0"/>
-          <a:chExt cx="0" cy="0"/>
-        </a:xfrm>
-      </p:grpSpPr>
-      <p:sp>
-        <p:nvSpPr>
-          <p:cNvPr id="2" name="Title 1"/>
-          <p:cNvSpPr>
-            <a:spLocks noGrp="1"/>
-          </p:cNvSpPr>
-          <p:nvPr>
             <p:ph type="title"/>
           </p:nvPr>
         </p:nvSpPr>
@@ -17434,7 +17273,7 @@
 </p:sld>
 </file>
 
-<file path=ppt/slides/slide4.xml><?xml version="1.0" encoding="utf-8"?>
+<file path=ppt/slides/slide3.xml><?xml version="1.0" encoding="utf-8"?>
 <p:sld xmlns:a="http://schemas.openxmlformats.org/drawingml/2006/main" xmlns:r="http://schemas.openxmlformats.org/officeDocument/2006/relationships" xmlns:p="http://schemas.openxmlformats.org/presentationml/2006/main">
   <p:cSld>
     <p:spTree>
@@ -17550,7 +17389,7 @@
 </p:sld>
 </file>
 
-<file path=ppt/slides/slide5.xml><?xml version="1.0" encoding="utf-8"?>
+<file path=ppt/slides/slide4.xml><?xml version="1.0" encoding="utf-8"?>
 <p:sld xmlns:a="http://schemas.openxmlformats.org/drawingml/2006/main" xmlns:r="http://schemas.openxmlformats.org/officeDocument/2006/relationships" xmlns:p="http://schemas.openxmlformats.org/presentationml/2006/main">
   <p:cSld>
     <p:spTree>
@@ -17634,7 +17473,7 @@
 </p:sld>
 </file>
 
-<file path=ppt/slides/slide6.xml><?xml version="1.0" encoding="utf-8"?>
+<file path=ppt/slides/slide5.xml><?xml version="1.0" encoding="utf-8"?>
 <p:sld xmlns:a="http://schemas.openxmlformats.org/drawingml/2006/main" xmlns:r="http://schemas.openxmlformats.org/officeDocument/2006/relationships" xmlns:p="http://schemas.openxmlformats.org/presentationml/2006/main">
   <p:cSld>
     <p:spTree>
@@ -17730,7 +17569,7 @@
 </p:sld>
 </file>
 
-<file path=ppt/slides/slide7.xml><?xml version="1.0" encoding="utf-8"?>
+<file path=ppt/slides/slide6.xml><?xml version="1.0" encoding="utf-8"?>
 <p:sld xmlns:a="http://schemas.openxmlformats.org/drawingml/2006/main" xmlns:r="http://schemas.openxmlformats.org/officeDocument/2006/relationships" xmlns:p="http://schemas.openxmlformats.org/presentationml/2006/main">
   <p:cSld>
     <p:spTree>
@@ -17827,7 +17666,7 @@
 </p:sld>
 </file>
 
-<file path=ppt/slides/slide8.xml><?xml version="1.0" encoding="utf-8"?>
+<file path=ppt/slides/slide7.xml><?xml version="1.0" encoding="utf-8"?>
 <p:sld xmlns:a="http://schemas.openxmlformats.org/drawingml/2006/main" xmlns:r="http://schemas.openxmlformats.org/officeDocument/2006/relationships" xmlns:p="http://schemas.openxmlformats.org/presentationml/2006/main">
   <p:cSld>
     <p:spTree>
@@ -17924,7 +17763,7 @@
 </p:sld>
 </file>
 
-<file path=ppt/slides/slide9.xml><?xml version="1.0" encoding="utf-8"?>
+<file path=ppt/slides/slide8.xml><?xml version="1.0" encoding="utf-8"?>
 <p:sld xmlns:a="http://schemas.openxmlformats.org/drawingml/2006/main" xmlns:r="http://schemas.openxmlformats.org/officeDocument/2006/relationships" xmlns:p="http://schemas.openxmlformats.org/presentationml/2006/main">
   <p:cSld>
     <p:spTree>
@@ -17996,6 +17835,98 @@
             <a:r>
               <a:rPr sz="3600" dirty="0"/>
               <a:t>Teaches adaptive and situational ethics</a:t>
+            </a:r>
+          </a:p>
+        </p:txBody>
+      </p:sp>
+    </p:spTree>
+  </p:cSld>
+  <p:clrMapOvr>
+    <a:masterClrMapping/>
+  </p:clrMapOvr>
+</p:sld>
+</file>
+
+<file path=ppt/slides/slide9.xml><?xml version="1.0" encoding="utf-8"?>
+<p:sld xmlns:a="http://schemas.openxmlformats.org/drawingml/2006/main" xmlns:r="http://schemas.openxmlformats.org/officeDocument/2006/relationships" xmlns:p="http://schemas.openxmlformats.org/presentationml/2006/main">
+  <p:cSld>
+    <p:spTree>
+      <p:nvGrpSpPr>
+        <p:cNvPr id="1" name=""/>
+        <p:cNvGrpSpPr/>
+        <p:nvPr/>
+      </p:nvGrpSpPr>
+      <p:grpSpPr>
+        <a:xfrm>
+          <a:off x="0" y="0"/>
+          <a:ext cx="0" cy="0"/>
+          <a:chOff x="0" y="0"/>
+          <a:chExt cx="0" cy="0"/>
+        </a:xfrm>
+      </p:grpSpPr>
+      <p:sp>
+        <p:nvSpPr>
+          <p:cNvPr id="2" name="Title 1"/>
+          <p:cNvSpPr>
+            <a:spLocks noGrp="1"/>
+          </p:cNvSpPr>
+          <p:nvPr>
+            <p:ph type="title"/>
+          </p:nvPr>
+        </p:nvSpPr>
+        <p:spPr/>
+        <p:txBody>
+          <a:bodyPr/>
+          <a:lstStyle/>
+          <a:p>
+            <a:r>
+              <a:t>Thimo – Proverbs as Law</a:t>
+            </a:r>
+          </a:p>
+        </p:txBody>
+      </p:sp>
+      <p:sp>
+        <p:nvSpPr>
+          <p:cNvPr id="3" name="Content Placeholder 2"/>
+          <p:cNvSpPr>
+            <a:spLocks noGrp="1"/>
+          </p:cNvSpPr>
+          <p:nvPr>
+            <p:ph idx="1"/>
+          </p:nvPr>
+        </p:nvSpPr>
+        <p:spPr/>
+        <p:txBody>
+          <a:bodyPr>
+            <a:normAutofit/>
+          </a:bodyPr>
+          <a:lstStyle/>
+          <a:p>
+            <a:r>
+              <a:rPr sz="4800" dirty="0"/>
+              <a:t>Used by the </a:t>
+            </a:r>
+            <a:r>
+              <a:rPr sz="4800" dirty="0" err="1"/>
+              <a:t>Kiama</a:t>
+            </a:r>
+            <a:r>
+              <a:rPr sz="4800" dirty="0"/>
+              <a:t> council</a:t>
+            </a:r>
+          </a:p>
+          <a:p>
+            <a:pPr lvl="1"/>
+            <a:r>
+              <a:rPr sz="4000" dirty="0"/>
+              <a:t>Resolve disputes and enforce norms</a:t>
+            </a:r>
+          </a:p>
+          <a:p>
+            <a:pPr lvl="1"/>
+            <a:r>
+              <a:rPr sz="4000" dirty="0"/>
+              <a:t>Truth overrides rank and authority</a:t>
             </a:r>
           </a:p>
         </p:txBody>
